--- a/ISDS 7075 Final Presentation (2).pptx
+++ b/ISDS 7075 Final Presentation (2).pptx
@@ -2561,6 +2561,43 @@
     </pc:docChg>
   </pc:docChgLst>
   <pc:docChgLst>
+    <pc:chgData name="Ryan McGiffin" userId="3ac51aac0b883ba7" providerId="LiveId" clId="{F74194AA-7125-4CE2-9853-3728E4E3E0EA}"/>
+    <pc:docChg chg="custSel modSld">
+      <pc:chgData name="Ryan McGiffin" userId="3ac51aac0b883ba7" providerId="LiveId" clId="{F74194AA-7125-4CE2-9853-3728E4E3E0EA}" dt="2025-08-07T23:23:32.042" v="1049" actId="20577"/>
+      <pc:docMkLst>
+        <pc:docMk/>
+      </pc:docMkLst>
+      <pc:sldChg chg="modNotesTx">
+        <pc:chgData name="Ryan McGiffin" userId="3ac51aac0b883ba7" providerId="LiveId" clId="{F74194AA-7125-4CE2-9853-3728E4E3E0EA}" dt="2025-08-07T23:13:41.342" v="991" actId="20577"/>
+        <pc:sldMkLst>
+          <pc:docMk/>
+          <pc:sldMk cId="1304537271" sldId="267"/>
+        </pc:sldMkLst>
+      </pc:sldChg>
+      <pc:sldChg chg="modNotesTx">
+        <pc:chgData name="Ryan McGiffin" userId="3ac51aac0b883ba7" providerId="LiveId" clId="{F74194AA-7125-4CE2-9853-3728E4E3E0EA}" dt="2025-08-07T22:53:02.317" v="812" actId="20577"/>
+        <pc:sldMkLst>
+          <pc:docMk/>
+          <pc:sldMk cId="3983789575" sldId="269"/>
+        </pc:sldMkLst>
+      </pc:sldChg>
+      <pc:sldChg chg="modNotesTx">
+        <pc:chgData name="Ryan McGiffin" userId="3ac51aac0b883ba7" providerId="LiveId" clId="{F74194AA-7125-4CE2-9853-3728E4E3E0EA}" dt="2025-08-07T23:04:59.957" v="973" actId="20577"/>
+        <pc:sldMkLst>
+          <pc:docMk/>
+          <pc:sldMk cId="1181019842" sldId="270"/>
+        </pc:sldMkLst>
+      </pc:sldChg>
+      <pc:sldChg chg="modNotesTx">
+        <pc:chgData name="Ryan McGiffin" userId="3ac51aac0b883ba7" providerId="LiveId" clId="{F74194AA-7125-4CE2-9853-3728E4E3E0EA}" dt="2025-08-07T23:23:32.042" v="1049" actId="20577"/>
+        <pc:sldMkLst>
+          <pc:docMk/>
+          <pc:sldMk cId="2200352573" sldId="271"/>
+        </pc:sldMkLst>
+      </pc:sldChg>
+    </pc:docChg>
+  </pc:docChgLst>
+  <pc:docChgLst>
     <pc:chgData name="Taylor Kocher" userId="34fafd0f8ab602e7" providerId="LiveId" clId="{40398309-EE30-411F-BAE6-1D221D1CA75A}"/>
     <pc:docChg chg="undo redo custSel modSld">
       <pc:chgData name="Taylor Kocher" userId="34fafd0f8ab602e7" providerId="LiveId" clId="{40398309-EE30-411F-BAE6-1D221D1CA75A}" dt="2025-07-31T00:07:46.295" v="945" actId="404"/>
@@ -9776,7 +9813,7 @@
         <a:lstStyle/>
         <a:p>
           <a:r>
-            <a:rPr lang="en-US"/>
+            <a:rPr lang="en-US" dirty="0"/>
             <a:t>Scale</a:t>
           </a:r>
         </a:p>
@@ -13519,7 +13556,7 @@
             <a:buNone/>
           </a:pPr>
           <a:r>
-            <a:rPr lang="en-US" sz="3700" kern="1200"/>
+            <a:rPr lang="en-US" sz="3700" kern="1200" dirty="0"/>
             <a:t>Scale</a:t>
           </a:r>
         </a:p>
@@ -25489,7 +25526,7 @@
           <a:p>
             <a:r>
               <a:rPr lang="en-US" dirty="0"/>
-              <a:t>The steps outlined in this slide were taken to prepare, select, evaluate, and determine the best model. Throughout these stages, we applied a variety of selection and optimization techniques to efficiently and effectively determine the best model for our problem. </a:t>
+              <a:t>The steps outlined in this slide were taken to prepare, select, evaluate, and determine the best model. We took a 6-stage approach. Throughout these stages, we applied a variety of selection and optimization techniques to efficiently and effectively determine the best model for our problem. The details of each stage are outlined in the following slides. Additionally, applying this structure to our approach facilitated seamless collaboration by clearly defining a framework. This was crucial to our success for several reasons. First, it allowed each team member to document their contributions and edits, while also easily understanding the contributions and edits of fellow teammates. Second, it provided a clear outline of the order of operations used in this cycle and kept the team calibrated with each other. </a:t>
             </a:r>
           </a:p>
         </p:txBody>
@@ -25600,7 +25637,7 @@
           <a:p>
             <a:r>
               <a:rPr lang="en-US" dirty="0"/>
-              <a:t>A preprocessing pipeline was developed to prepare the data for the models we had decided upon. This pipeline specifies how to handle missing values, whether they are to be ignored or imputed, and how to calculate imputed values. This is also where categorical and numerical features are transformed for compatibility with selected models. Finally, we also use the pipeline to scale the numerical features being evaluated. This ensures that all numerical features carry equal weight and one will not influence the model more than any other. </a:t>
+              <a:t>A preprocessing pipeline was developed to prepare the data for the models we would decide upon. It accomplishes this in a few ways. First, it specifies how to handle missing values, whether they are to be ignored or imputed, and the method by which calculate imputed values. Next, categorical and numerical features are transformed for compatibility with selected models. Finally, we also use the pipeline to scale the numerical features being evaluated. This ensures that all numerical features carry equal weight and one will not influence the model more than any other. </a:t>
             </a:r>
           </a:p>
         </p:txBody>
@@ -25711,7 +25748,7 @@
           <a:p>
             <a:r>
               <a:rPr lang="en-US" dirty="0"/>
-              <a:t>A mix of simple and ensemble models were selected to be evaluated to allow for broad comparison. A decision tree model was selected for its simplicity. To contrast the decision tree model, we selected a logistic regression model. While decision trees are more susceptible to overfitting, logistic regression models are not. The same can be said for resilience to small nuance in the data. Logistic regression is more resilient to these small fluctuations in training sets. We then built upon the decision tree principle by selecting gradient boosting and random forest models. Gradient boosting and random forest models use the decision tree approach but improve and iterate upon it in different ways. For example, a random forest model consists of a series of individual decision trees which are combined once developed to form the resulting final model. Gradient boosting models are also an ensemble of decision trees, but they iterate through combinations of decision trees while also developing new trees. </a:t>
+              <a:t>A mix of simple and more complex ensemble models were selected to be evaluated to allow for broad comparison. A decision tree model was selected for its simplicity. To contrast the decision tree model, we selected a logistic regression model. While decision trees are more susceptible to overfitting, logistic regression models are not. The same can be said for resilience to small nuance in the data. Logistic regression is more resilient to these small fluctuations in training sets. We then built upon the decision tree principle by selecting gradient boosting and random forest models. Gradient boosting and random forest models both use the decision tree approach but improve and iterate upon it in different ways. For example, a random forest model consists of a series of individual decision trees which are combined once developed to form the resulting final model. Gradient boosting models are also an ensemble of decision trees, but they iterate through combinations of decision trees while also developing new trees. </a:t>
             </a:r>
           </a:p>
         </p:txBody>
@@ -25937,7 +25974,15 @@
           <a:p>
             <a:r>
               <a:rPr lang="en-US" dirty="0"/>
-              <a:t>We first developed a parameter grid. This was done for a few different reasons. A parameter grid allows for collaboration and error-proofing by rigidly organizing and structuring the parameters for each model. This allows team members to experiment in concert without creating noise in the working file or potentially altering code elsewhere by accident. It also allows for easier comparison of the hyperparameters for each model against one another. This allowed the team to manually iterate and gain an understanding for how the models performance was impacted by changing parameters before a later step of systematic optimization. </a:t>
+              <a:t>We developed a parameter grid. This was done for a few different reasons. It allows for collaboration and error-proofing by rigidly organizing and structuring the parameters for each model. This allows team members to experiment in concert without creating noise in the working file or potentially altering code elsewhere by accident. It also allows for easier comparison of the hyperparameters for each model against one another. This allowed the team to manually iterate and gain an understanding for how the various models performance results were impacted by changing parameters before a later step </a:t>
+            </a:r>
+            <a:r>
+              <a:rPr lang="en-US"/>
+              <a:t>of automated </a:t>
+            </a:r>
+            <a:r>
+              <a:rPr lang="en-US" dirty="0"/>
+              <a:t>optimization. </a:t>
             </a:r>
           </a:p>
         </p:txBody>
